--- a/attach/SDCC.pptx
+++ b/attach/SDCC.pptx
@@ -156,7 +156,7 @@
           </a:blip>
           <a:srcRect/>
           <a:stretch>
-            <a:fillRect/>
+            <a:fillRect t="-6000" b="-6000"/>
           </a:stretch>
         </a:blipFill>
         <a:effectLst/>
@@ -606,7 +606,7 @@
           <a:p>
             <a:fld id="{82F288E0-7875-42C4-84C8-98DBBD3BF4D2}" type="datetimeFigureOut">
               <a:rPr lang="zh-CN" altLang="en-US" smtClean="0"/>
-              <a:t>2017/3/11</a:t>
+              <a:t>2017/5/16</a:t>
             </a:fld>
             <a:endParaRPr lang="zh-CN" altLang="en-US"/>
           </a:p>
@@ -1030,6 +1030,86 @@
           </a:p>
         </p:txBody>
       </p:sp>
+      <p:sp>
+        <p:nvSpPr>
+          <p:cNvPr id="3" name="文本框 2"/>
+          <p:cNvSpPr txBox="1"/>
+          <p:nvPr/>
+        </p:nvSpPr>
+        <p:spPr>
+          <a:xfrm>
+            <a:off x="642025" y="5155659"/>
+            <a:ext cx="2316660" cy="1569660"/>
+          </a:xfrm>
+          <a:prstGeom prst="rect">
+            <a:avLst/>
+          </a:prstGeom>
+          <a:noFill/>
+        </p:spPr>
+        <p:txBody>
+          <a:bodyPr wrap="none" rtlCol="0">
+            <a:spAutoFit/>
+          </a:bodyPr>
+          <a:lstStyle/>
+          <a:p>
+            <a:r>
+              <a:rPr lang="zh-CN" altLang="en-US" b="1" dirty="0" smtClean="0">
+                <a:solidFill>
+                  <a:schemeClr val="bg1">
+                    <a:lumMod val="95000"/>
+                  </a:schemeClr>
+                </a:solidFill>
+                <a:latin typeface="微软雅黑" panose="020B0503020204020204" pitchFamily="34" charset="-122"/>
+                <a:ea typeface="微软雅黑" panose="020B0503020204020204" pitchFamily="34" charset="-122"/>
+              </a:rPr>
+              <a:t>凤凰牌老熊</a:t>
+            </a:r>
+            <a:endParaRPr lang="en-US" altLang="zh-CN" b="1" dirty="0" smtClean="0">
+              <a:solidFill>
+                <a:schemeClr val="bg1">
+                  <a:lumMod val="95000"/>
+                </a:schemeClr>
+              </a:solidFill>
+              <a:latin typeface="微软雅黑" panose="020B0503020204020204" pitchFamily="34" charset="-122"/>
+              <a:ea typeface="微软雅黑" panose="020B0503020204020204" pitchFamily="34" charset="-122"/>
+            </a:endParaRPr>
+          </a:p>
+          <a:p>
+            <a:endParaRPr lang="en-US" altLang="zh-CN" b="1" dirty="0" smtClean="0">
+              <a:solidFill>
+                <a:schemeClr val="bg1">
+                  <a:lumMod val="95000"/>
+                </a:schemeClr>
+              </a:solidFill>
+              <a:latin typeface="微软雅黑" panose="020B0503020204020204" pitchFamily="34" charset="-122"/>
+              <a:ea typeface="微软雅黑" panose="020B0503020204020204" pitchFamily="34" charset="-122"/>
+            </a:endParaRPr>
+          </a:p>
+          <a:p>
+            <a:r>
+              <a:rPr lang="en-US" altLang="zh-CN" b="1" dirty="0" smtClean="0">
+                <a:solidFill>
+                  <a:schemeClr val="bg1">
+                    <a:lumMod val="95000"/>
+                  </a:schemeClr>
+                </a:solidFill>
+                <a:latin typeface="微软雅黑" panose="020B0503020204020204" pitchFamily="34" charset="-122"/>
+                <a:ea typeface="微软雅黑" panose="020B0503020204020204" pitchFamily="34" charset="-122"/>
+              </a:rPr>
+              <a:t>2017-5-20</a:t>
+            </a:r>
+            <a:endParaRPr lang="zh-CN" altLang="en-US" b="1" dirty="0">
+              <a:solidFill>
+                <a:schemeClr val="bg1">
+                  <a:lumMod val="95000"/>
+                </a:schemeClr>
+              </a:solidFill>
+              <a:latin typeface="微软雅黑" panose="020B0503020204020204" pitchFamily="34" charset="-122"/>
+              <a:ea typeface="微软雅黑" panose="020B0503020204020204" pitchFamily="34" charset="-122"/>
+            </a:endParaRPr>
+          </a:p>
+        </p:txBody>
+      </p:sp>
     </p:spTree>
   </p:cSld>
   <p:clrMapOvr>
@@ -11834,11 +11914,7 @@
             </a:r>
             <a:r>
               <a:rPr lang="en-US" altLang="zh-CN" dirty="0" smtClean="0"/>
-              <a:t> </a:t>
-            </a:r>
-            <a:r>
-              <a:rPr lang="en-US" altLang="zh-CN" dirty="0" smtClean="0"/>
-              <a:t>SSH </a:t>
+              <a:t> SSH </a:t>
             </a:r>
             <a:r>
               <a:rPr lang="zh-CN" altLang="en-US" dirty="0" smtClean="0"/>
@@ -13208,10 +13284,6 @@
               </a:rPr>
               <a:t>较忙</a:t>
             </a:r>
-            <a:endParaRPr lang="zh-CN" altLang="en-US" sz="2400" dirty="0">
-              <a:latin typeface="微软雅黑" panose="020B0503020204020204" pitchFamily="34" charset="-122"/>
-              <a:ea typeface="微软雅黑" panose="020B0503020204020204" pitchFamily="34" charset="-122"/>
-            </a:endParaRPr>
           </a:p>
         </p:txBody>
       </p:sp>
@@ -13266,10 +13338,6 @@
               </a:rPr>
               <a:t>很忙</a:t>
             </a:r>
-            <a:endParaRPr lang="zh-CN" altLang="en-US" sz="2400" dirty="0">
-              <a:latin typeface="微软雅黑" panose="020B0503020204020204" pitchFamily="34" charset="-122"/>
-              <a:ea typeface="微软雅黑" panose="020B0503020204020204" pitchFamily="34" charset="-122"/>
-            </a:endParaRPr>
           </a:p>
         </p:txBody>
       </p:sp>
@@ -13325,10 +13393,6 @@
               </a:rPr>
               <a:t>较忙</a:t>
             </a:r>
-            <a:endParaRPr lang="zh-CN" altLang="en-US" sz="2400" dirty="0">
-              <a:latin typeface="微软雅黑" panose="020B0503020204020204" pitchFamily="34" charset="-122"/>
-              <a:ea typeface="微软雅黑" panose="020B0503020204020204" pitchFamily="34" charset="-122"/>
-            </a:endParaRPr>
           </a:p>
         </p:txBody>
       </p:sp>
@@ -13444,10 +13508,6 @@
               </a:rPr>
               <a:t>较忙</a:t>
             </a:r>
-            <a:endParaRPr lang="zh-CN" altLang="en-US" sz="2400" dirty="0">
-              <a:latin typeface="微软雅黑" panose="020B0503020204020204" pitchFamily="34" charset="-122"/>
-              <a:ea typeface="微软雅黑" panose="020B0503020204020204" pitchFamily="34" charset="-122"/>
-            </a:endParaRPr>
           </a:p>
         </p:txBody>
       </p:sp>
@@ -13611,10 +13671,6 @@
               </a:rPr>
               <a:t>很忙</a:t>
             </a:r>
-            <a:endParaRPr lang="zh-CN" altLang="en-US" sz="2400" dirty="0">
-              <a:latin typeface="微软雅黑" panose="020B0503020204020204" pitchFamily="34" charset="-122"/>
-              <a:ea typeface="微软雅黑" panose="020B0503020204020204" pitchFamily="34" charset="-122"/>
-            </a:endParaRPr>
           </a:p>
         </p:txBody>
       </p:sp>
